--- a/Docs/Efficient Acoustic Modelling of Large Spaces Using Time.pptx
+++ b/Docs/Efficient Acoustic Modelling of Large Spaces Using Time.pptx
@@ -12,14 +12,14 @@
     <p:sldId id="272" r:id="rId6"/>
     <p:sldId id="259" r:id="rId7"/>
     <p:sldId id="262" r:id="rId8"/>
-    <p:sldId id="260" r:id="rId9"/>
-    <p:sldId id="261" r:id="rId10"/>
-    <p:sldId id="273" r:id="rId11"/>
-    <p:sldId id="265" r:id="rId12"/>
-    <p:sldId id="266" r:id="rId13"/>
-    <p:sldId id="274" r:id="rId14"/>
-    <p:sldId id="264" r:id="rId15"/>
-    <p:sldId id="269" r:id="rId16"/>
+    <p:sldId id="275" r:id="rId9"/>
+    <p:sldId id="260" r:id="rId10"/>
+    <p:sldId id="261" r:id="rId11"/>
+    <p:sldId id="273" r:id="rId12"/>
+    <p:sldId id="265" r:id="rId13"/>
+    <p:sldId id="266" r:id="rId14"/>
+    <p:sldId id="274" r:id="rId15"/>
+    <p:sldId id="264" r:id="rId16"/>
     <p:sldId id="268" r:id="rId17"/>
     <p:sldId id="267" r:id="rId18"/>
     <p:sldId id="270" r:id="rId19"/>
@@ -15899,6 +15899,13 @@
   <p:clrMapOvr>
     <a:masterClrMapping/>
   </p:clrMapOvr>
+  <p:timing>
+    <p:tnLst>
+      <p:par>
+        <p:cTn id="1" dur="indefinite" restart="never" nodeType="tmRoot"/>
+      </p:par>
+    </p:tnLst>
+  </p:timing>
 </p:sld>
 </file>
 
@@ -15931,8 +15938,8 @@
         </p:nvSpPr>
         <p:spPr>
           <a:xfrm>
-            <a:off x="1051858" y="542366"/>
-            <a:ext cx="4846918" cy="515470"/>
+            <a:off x="646111" y="452718"/>
+            <a:ext cx="9404723" cy="766482"/>
           </a:xfrm>
         </p:spPr>
         <p:txBody>
@@ -15941,7 +15948,7 @@
           <a:p>
             <a:r>
               <a:rPr lang="en-GB" dirty="0" smtClean="0"/>
-              <a:t>Pseudo-spectral Time Domain</a:t>
+              <a:t>Finite Difference Time Domain</a:t>
             </a:r>
             <a:endParaRPr lang="en-GB" dirty="0"/>
           </a:p>
@@ -15959,130 +15966,108 @@
         </p:nvSpPr>
         <p:spPr/>
         <p:txBody>
-          <a:bodyPr/>
+          <a:bodyPr>
+            <a:normAutofit fontScale="85000" lnSpcReduction="20000"/>
+          </a:bodyPr>
           <a:lstStyle/>
           <a:p>
             <a:r>
               <a:rPr lang="en-GB" dirty="0" smtClean="0"/>
-              <a:t>Description</a:t>
+              <a:t>1D</a:t>
+            </a:r>
+          </a:p>
+          <a:p>
+            <a:pPr lvl="1"/>
+            <a:r>
+              <a:rPr lang="en-GB" dirty="0" smtClean="0"/>
+              <a:t>Kernel - Complete</a:t>
+            </a:r>
+          </a:p>
+          <a:p>
+            <a:pPr lvl="1"/>
+            <a:r>
+              <a:rPr lang="en-GB" dirty="0" smtClean="0"/>
+              <a:t>Absorbing Boundaries – Complete</a:t>
+            </a:r>
+          </a:p>
+          <a:p>
+            <a:pPr lvl="1"/>
+            <a:r>
+              <a:rPr lang="en-GB" dirty="0" smtClean="0"/>
+              <a:t>Sub-validation - Complete</a:t>
+            </a:r>
+          </a:p>
+          <a:p>
+            <a:r>
+              <a:rPr lang="en-GB" dirty="0" smtClean="0"/>
+              <a:t>2D</a:t>
+            </a:r>
+          </a:p>
+          <a:p>
+            <a:pPr lvl="1"/>
+            <a:r>
+              <a:rPr lang="en-GB" dirty="0"/>
+              <a:t>Kernel - Complete</a:t>
+            </a:r>
+          </a:p>
+          <a:p>
+            <a:pPr lvl="1"/>
+            <a:r>
+              <a:rPr lang="en-GB" dirty="0"/>
+              <a:t>Absorbing Boundaries – Complete</a:t>
+            </a:r>
+          </a:p>
+          <a:p>
+            <a:pPr lvl="1"/>
+            <a:r>
+              <a:rPr lang="en-GB" dirty="0"/>
+              <a:t>Sub-validation </a:t>
+            </a:r>
+            <a:r>
+              <a:rPr lang="en-GB" dirty="0" smtClean="0"/>
+              <a:t>– Incomplete</a:t>
+            </a:r>
+          </a:p>
+          <a:p>
+            <a:r>
+              <a:rPr lang="en-GB" dirty="0" smtClean="0"/>
+              <a:t>3D</a:t>
+            </a:r>
+          </a:p>
+          <a:p>
+            <a:pPr lvl="1"/>
+            <a:r>
+              <a:rPr lang="en-GB" dirty="0"/>
+              <a:t>Kernel - Complete</a:t>
+            </a:r>
+          </a:p>
+          <a:p>
+            <a:pPr lvl="1"/>
+            <a:r>
+              <a:rPr lang="en-GB" dirty="0"/>
+              <a:t>Absorbing Boundaries – Complete</a:t>
+            </a:r>
+          </a:p>
+          <a:p>
+            <a:pPr lvl="1"/>
+            <a:r>
+              <a:rPr lang="en-GB" dirty="0" smtClean="0"/>
+              <a:t>Sub-validation – Incomplete</a:t>
+            </a:r>
+          </a:p>
+          <a:p>
+            <a:r>
+              <a:rPr lang="en-GB" dirty="0" smtClean="0"/>
+              <a:t>Validation - Incomplete</a:t>
             </a:r>
             <a:endParaRPr lang="en-GB" dirty="0"/>
-          </a:p>
-        </p:txBody>
-      </p:sp>
-      <p:sp>
-        <p:nvSpPr>
-          <p:cNvPr id="4" name="Text Placeholder 3"/>
-          <p:cNvSpPr>
-            <a:spLocks noGrp="1"/>
-          </p:cNvSpPr>
-          <p:nvPr>
-            <p:ph type="body" sz="half" idx="2"/>
-          </p:nvPr>
-        </p:nvSpPr>
-        <p:spPr>
-          <a:xfrm>
-            <a:off x="1154953" y="1447800"/>
-            <a:ext cx="3401063" cy="4577079"/>
-          </a:xfrm>
-        </p:spPr>
-        <p:txBody>
-          <a:bodyPr/>
-          <a:lstStyle/>
-          <a:p>
-            <a:pPr marL="285750" indent="-285750">
-              <a:buFont typeface="Arial" panose="020B0604020202020204" pitchFamily="34" charset="0"/>
-              <a:buChar char="•"/>
-            </a:pPr>
-            <a:r>
-              <a:rPr lang="en-GB" dirty="0" smtClean="0"/>
-              <a:t>Uniform grid locations</a:t>
-            </a:r>
-          </a:p>
-          <a:p>
-            <a:pPr marL="285750" indent="-285750">
-              <a:buFont typeface="Arial" panose="020B0604020202020204" pitchFamily="34" charset="0"/>
-              <a:buChar char="•"/>
-            </a:pPr>
-            <a:r>
-              <a:rPr lang="en-GB" dirty="0" smtClean="0"/>
-              <a:t>Differentiation occurs in frequency domain</a:t>
-            </a:r>
-          </a:p>
-          <a:p>
-            <a:pPr marL="285750" indent="-285750">
-              <a:buFont typeface="Arial" panose="020B0604020202020204" pitchFamily="34" charset="0"/>
-              <a:buChar char="•"/>
-            </a:pPr>
-            <a:r>
-              <a:rPr lang="en-GB" dirty="0" smtClean="0"/>
-              <a:t>Differentiation across number of points in dimension</a:t>
-            </a:r>
-          </a:p>
-          <a:p>
-            <a:pPr marL="285750" indent="-285750">
-              <a:buFont typeface="Arial" panose="020B0604020202020204" pitchFamily="34" charset="0"/>
-              <a:buChar char="•"/>
-            </a:pPr>
-            <a:r>
-              <a:rPr lang="en-GB" dirty="0" smtClean="0"/>
-              <a:t>Error of order 2^NlogN</a:t>
-            </a:r>
-          </a:p>
-          <a:p>
-            <a:pPr marL="285750" indent="-285750">
-              <a:buFont typeface="Arial" panose="020B0604020202020204" pitchFamily="34" charset="0"/>
-              <a:buChar char="•"/>
-            </a:pPr>
-            <a:r>
-              <a:rPr lang="en-GB" dirty="0" smtClean="0"/>
-              <a:t>2</a:t>
-            </a:r>
-            <a:r>
-              <a:rPr lang="en-GB" baseline="30000" dirty="0" smtClean="0"/>
-              <a:t>nd</a:t>
-            </a:r>
-            <a:r>
-              <a:rPr lang="en-GB" dirty="0" smtClean="0"/>
-              <a:t> order in time </a:t>
-            </a:r>
-          </a:p>
-          <a:p>
-            <a:pPr marL="285750" indent="-285750">
-              <a:buFont typeface="Arial" panose="020B0604020202020204" pitchFamily="34" charset="0"/>
-              <a:buChar char="•"/>
-            </a:pPr>
-            <a:r>
-              <a:rPr lang="en-GB" dirty="0" smtClean="0"/>
-              <a:t>Obeys Nyquist sampling theorem</a:t>
-            </a:r>
-          </a:p>
-          <a:p>
-            <a:pPr marL="742950" lvl="1" indent="-285750">
-              <a:buFont typeface="Arial" panose="020B0604020202020204" pitchFamily="34" charset="0"/>
-              <a:buChar char="•"/>
-            </a:pPr>
-            <a:r>
-              <a:rPr lang="en-GB" dirty="0" smtClean="0"/>
-              <a:t>2 points per wavelength minimum</a:t>
-            </a:r>
-          </a:p>
-          <a:p>
-            <a:pPr marL="285750" indent="-285750">
-              <a:buFont typeface="Arial" panose="020B0604020202020204" pitchFamily="34" charset="0"/>
-              <a:buChar char="•"/>
-            </a:pPr>
-            <a:r>
-              <a:rPr lang="en-GB" dirty="0" smtClean="0"/>
-              <a:t>Marching forward in half steps of time</a:t>
-            </a:r>
           </a:p>
         </p:txBody>
       </p:sp>
     </p:spTree>
     <p:extLst>
       <p:ext uri="{BB962C8B-B14F-4D97-AF65-F5344CB8AC3E}">
-        <p14:creationId xmlns:p14="http://schemas.microsoft.com/office/powerpoint/2010/main" val="4241080151"/>
+        <p14:creationId xmlns:p14="http://schemas.microsoft.com/office/powerpoint/2010/main" val="1915713582"/>
       </p:ext>
     </p:extLst>
   </p:cSld>
@@ -16126,6 +16111,203 @@
             <p:ph type="title"/>
           </p:nvPr>
         </p:nvSpPr>
+        <p:spPr>
+          <a:xfrm>
+            <a:off x="1051858" y="542366"/>
+            <a:ext cx="4846918" cy="515470"/>
+          </a:xfrm>
+        </p:spPr>
+        <p:txBody>
+          <a:bodyPr/>
+          <a:lstStyle/>
+          <a:p>
+            <a:r>
+              <a:rPr lang="en-GB" dirty="0" smtClean="0"/>
+              <a:t>Pseudo-spectral Time Domain</a:t>
+            </a:r>
+            <a:endParaRPr lang="en-GB" dirty="0"/>
+          </a:p>
+        </p:txBody>
+      </p:sp>
+      <p:sp>
+        <p:nvSpPr>
+          <p:cNvPr id="3" name="Content Placeholder 2"/>
+          <p:cNvSpPr>
+            <a:spLocks noGrp="1"/>
+          </p:cNvSpPr>
+          <p:nvPr>
+            <p:ph idx="1"/>
+          </p:nvPr>
+        </p:nvSpPr>
+        <p:spPr/>
+        <p:txBody>
+          <a:bodyPr/>
+          <a:lstStyle/>
+          <a:p>
+            <a:r>
+              <a:rPr lang="en-GB" dirty="0" smtClean="0"/>
+              <a:t>Description</a:t>
+            </a:r>
+            <a:endParaRPr lang="en-GB" dirty="0"/>
+          </a:p>
+        </p:txBody>
+      </p:sp>
+      <p:sp>
+        <p:nvSpPr>
+          <p:cNvPr id="4" name="Text Placeholder 3"/>
+          <p:cNvSpPr>
+            <a:spLocks noGrp="1"/>
+          </p:cNvSpPr>
+          <p:nvPr>
+            <p:ph type="body" sz="half" idx="2"/>
+          </p:nvPr>
+        </p:nvSpPr>
+        <p:spPr>
+          <a:xfrm>
+            <a:off x="1154953" y="1447800"/>
+            <a:ext cx="3401063" cy="4577079"/>
+          </a:xfrm>
+        </p:spPr>
+        <p:txBody>
+          <a:bodyPr/>
+          <a:lstStyle/>
+          <a:p>
+            <a:pPr marL="285750" indent="-285750">
+              <a:buFont typeface="Arial" panose="020B0604020202020204" pitchFamily="34" charset="0"/>
+              <a:buChar char="•"/>
+            </a:pPr>
+            <a:r>
+              <a:rPr lang="en-GB" dirty="0" smtClean="0"/>
+              <a:t>Uniform grid locations</a:t>
+            </a:r>
+          </a:p>
+          <a:p>
+            <a:pPr marL="285750" indent="-285750">
+              <a:buFont typeface="Arial" panose="020B0604020202020204" pitchFamily="34" charset="0"/>
+              <a:buChar char="•"/>
+            </a:pPr>
+            <a:r>
+              <a:rPr lang="en-GB" dirty="0" smtClean="0"/>
+              <a:t>Differentiation occurs in frequency domain</a:t>
+            </a:r>
+          </a:p>
+          <a:p>
+            <a:pPr marL="285750" indent="-285750">
+              <a:buFont typeface="Arial" panose="020B0604020202020204" pitchFamily="34" charset="0"/>
+              <a:buChar char="•"/>
+            </a:pPr>
+            <a:r>
+              <a:rPr lang="en-GB" dirty="0" smtClean="0"/>
+              <a:t>Differentiation across number of points in dimension</a:t>
+            </a:r>
+          </a:p>
+          <a:p>
+            <a:pPr marL="285750" indent="-285750">
+              <a:buFont typeface="Arial" panose="020B0604020202020204" pitchFamily="34" charset="0"/>
+              <a:buChar char="•"/>
+            </a:pPr>
+            <a:r>
+              <a:rPr lang="en-GB" dirty="0" smtClean="0"/>
+              <a:t>Error of order 2^NlogN</a:t>
+            </a:r>
+          </a:p>
+          <a:p>
+            <a:pPr marL="285750" indent="-285750">
+              <a:buFont typeface="Arial" panose="020B0604020202020204" pitchFamily="34" charset="0"/>
+              <a:buChar char="•"/>
+            </a:pPr>
+            <a:r>
+              <a:rPr lang="en-GB" dirty="0" smtClean="0"/>
+              <a:t>2</a:t>
+            </a:r>
+            <a:r>
+              <a:rPr lang="en-GB" baseline="30000" dirty="0" smtClean="0"/>
+              <a:t>nd</a:t>
+            </a:r>
+            <a:r>
+              <a:rPr lang="en-GB" dirty="0" smtClean="0"/>
+              <a:t> order in time </a:t>
+            </a:r>
+          </a:p>
+          <a:p>
+            <a:pPr marL="285750" indent="-285750">
+              <a:buFont typeface="Arial" panose="020B0604020202020204" pitchFamily="34" charset="0"/>
+              <a:buChar char="•"/>
+            </a:pPr>
+            <a:r>
+              <a:rPr lang="en-GB" dirty="0" smtClean="0"/>
+              <a:t>Obeys Nyquist sampling theorem</a:t>
+            </a:r>
+          </a:p>
+          <a:p>
+            <a:pPr marL="742950" lvl="1" indent="-285750">
+              <a:buFont typeface="Arial" panose="020B0604020202020204" pitchFamily="34" charset="0"/>
+              <a:buChar char="•"/>
+            </a:pPr>
+            <a:r>
+              <a:rPr lang="en-GB" dirty="0" smtClean="0"/>
+              <a:t>2 points per wavelength minimum</a:t>
+            </a:r>
+          </a:p>
+          <a:p>
+            <a:pPr marL="285750" indent="-285750">
+              <a:buFont typeface="Arial" panose="020B0604020202020204" pitchFamily="34" charset="0"/>
+              <a:buChar char="•"/>
+            </a:pPr>
+            <a:r>
+              <a:rPr lang="en-GB" dirty="0" smtClean="0"/>
+              <a:t>Marching forward in half steps of time</a:t>
+            </a:r>
+          </a:p>
+        </p:txBody>
+      </p:sp>
+    </p:spTree>
+    <p:extLst>
+      <p:ext uri="{BB962C8B-B14F-4D97-AF65-F5344CB8AC3E}">
+        <p14:creationId xmlns:p14="http://schemas.microsoft.com/office/powerpoint/2010/main" val="4241080151"/>
+      </p:ext>
+    </p:extLst>
+  </p:cSld>
+  <p:clrMapOvr>
+    <a:masterClrMapping/>
+  </p:clrMapOvr>
+  <p:timing>
+    <p:tnLst>
+      <p:par>
+        <p:cTn id="1" dur="indefinite" restart="never" nodeType="tmRoot"/>
+      </p:par>
+    </p:tnLst>
+  </p:timing>
+</p:sld>
+</file>
+
+<file path=ppt/slides/slide12.xml><?xml version="1.0" encoding="utf-8"?>
+<p:sld xmlns:a="http://schemas.openxmlformats.org/drawingml/2006/main" xmlns:r="http://schemas.openxmlformats.org/officeDocument/2006/relationships" xmlns:p="http://schemas.openxmlformats.org/presentationml/2006/main">
+  <p:cSld>
+    <p:spTree>
+      <p:nvGrpSpPr>
+        <p:cNvPr id="1" name=""/>
+        <p:cNvGrpSpPr/>
+        <p:nvPr/>
+      </p:nvGrpSpPr>
+      <p:grpSpPr>
+        <a:xfrm>
+          <a:off x="0" y="0"/>
+          <a:ext cx="0" cy="0"/>
+          <a:chOff x="0" y="0"/>
+          <a:chExt cx="0" cy="0"/>
+        </a:xfrm>
+      </p:grpSpPr>
+      <p:sp>
+        <p:nvSpPr>
+          <p:cNvPr id="2" name="Title 1"/>
+          <p:cNvSpPr>
+            <a:spLocks noGrp="1"/>
+          </p:cNvSpPr>
+          <p:nvPr>
+            <p:ph type="title"/>
+          </p:nvPr>
+        </p:nvSpPr>
         <p:spPr/>
         <p:txBody>
           <a:bodyPr/>
@@ -16182,7 +16364,7 @@
 </p:sld>
 </file>
 
-<file path=ppt/slides/slide12.xml><?xml version="1.0" encoding="utf-8"?>
+<file path=ppt/slides/slide13.xml><?xml version="1.0" encoding="utf-8"?>
 <p:sld xmlns:a="http://schemas.openxmlformats.org/drawingml/2006/main" xmlns:r="http://schemas.openxmlformats.org/officeDocument/2006/relationships" xmlns:p="http://schemas.openxmlformats.org/presentationml/2006/main">
   <p:cSld>
     <p:spTree>
@@ -16654,196 +16836,6 @@
   <p:clrMapOvr>
     <a:masterClrMapping/>
   </p:clrMapOvr>
-</p:sld>
-</file>
-
-<file path=ppt/slides/slide13.xml><?xml version="1.0" encoding="utf-8"?>
-<p:sld xmlns:a="http://schemas.openxmlformats.org/drawingml/2006/main" xmlns:r="http://schemas.openxmlformats.org/officeDocument/2006/relationships" xmlns:p="http://schemas.openxmlformats.org/presentationml/2006/main">
-  <p:cSld>
-    <p:spTree>
-      <p:nvGrpSpPr>
-        <p:cNvPr id="1" name=""/>
-        <p:cNvGrpSpPr/>
-        <p:nvPr/>
-      </p:nvGrpSpPr>
-      <p:grpSpPr>
-        <a:xfrm>
-          <a:off x="0" y="0"/>
-          <a:ext cx="0" cy="0"/>
-          <a:chOff x="0" y="0"/>
-          <a:chExt cx="0" cy="0"/>
-        </a:xfrm>
-      </p:grpSpPr>
-      <p:sp>
-        <p:nvSpPr>
-          <p:cNvPr id="2" name="Title 1"/>
-          <p:cNvSpPr>
-            <a:spLocks noGrp="1"/>
-          </p:cNvSpPr>
-          <p:nvPr>
-            <p:ph type="title"/>
-          </p:nvPr>
-        </p:nvSpPr>
-        <p:spPr>
-          <a:xfrm>
-            <a:off x="1051858" y="542366"/>
-            <a:ext cx="6061636" cy="515470"/>
-          </a:xfrm>
-        </p:spPr>
-        <p:txBody>
-          <a:bodyPr/>
-          <a:lstStyle/>
-          <a:p>
-            <a:r>
-              <a:rPr lang="en-GB" dirty="0" smtClean="0"/>
-              <a:t>Sparse Finite Difference Time Domain</a:t>
-            </a:r>
-            <a:endParaRPr lang="en-GB" dirty="0"/>
-          </a:p>
-        </p:txBody>
-      </p:sp>
-      <p:sp>
-        <p:nvSpPr>
-          <p:cNvPr id="3" name="Content Placeholder 2"/>
-          <p:cNvSpPr>
-            <a:spLocks noGrp="1"/>
-          </p:cNvSpPr>
-          <p:nvPr>
-            <p:ph idx="1"/>
-          </p:nvPr>
-        </p:nvSpPr>
-        <p:spPr/>
-        <p:txBody>
-          <a:bodyPr/>
-          <a:lstStyle/>
-          <a:p>
-            <a:r>
-              <a:rPr lang="en-GB" dirty="0" smtClean="0"/>
-              <a:t>Description</a:t>
-            </a:r>
-            <a:endParaRPr lang="en-GB" dirty="0"/>
-          </a:p>
-        </p:txBody>
-      </p:sp>
-      <p:sp>
-        <p:nvSpPr>
-          <p:cNvPr id="4" name="Text Placeholder 3"/>
-          <p:cNvSpPr>
-            <a:spLocks noGrp="1"/>
-          </p:cNvSpPr>
-          <p:nvPr>
-            <p:ph type="body" sz="half" idx="2"/>
-          </p:nvPr>
-        </p:nvSpPr>
-        <p:spPr>
-          <a:xfrm>
-            <a:off x="1154953" y="1447800"/>
-            <a:ext cx="3401063" cy="4577079"/>
-          </a:xfrm>
-        </p:spPr>
-        <p:txBody>
-          <a:bodyPr/>
-          <a:lstStyle/>
-          <a:p>
-            <a:pPr marL="285750" indent="-285750">
-              <a:buFont typeface="Arial" panose="020B0604020202020204" pitchFamily="34" charset="0"/>
-              <a:buChar char="•"/>
-            </a:pPr>
-            <a:r>
-              <a:rPr lang="en-GB" dirty="0" smtClean="0"/>
-              <a:t>Uniform grid locations</a:t>
-            </a:r>
-          </a:p>
-          <a:p>
-            <a:pPr marL="285750" indent="-285750">
-              <a:buFont typeface="Arial" panose="020B0604020202020204" pitchFamily="34" charset="0"/>
-              <a:buChar char="•"/>
-            </a:pPr>
-            <a:r>
-              <a:rPr lang="en-GB" dirty="0" smtClean="0"/>
-              <a:t>Differentiation occurs in frequency domain</a:t>
-            </a:r>
-          </a:p>
-          <a:p>
-            <a:pPr marL="285750" indent="-285750">
-              <a:buFont typeface="Arial" panose="020B0604020202020204" pitchFamily="34" charset="0"/>
-              <a:buChar char="•"/>
-            </a:pPr>
-            <a:r>
-              <a:rPr lang="en-GB" dirty="0" smtClean="0"/>
-              <a:t>Differentiation across number of points in dimension</a:t>
-            </a:r>
-          </a:p>
-          <a:p>
-            <a:pPr marL="285750" indent="-285750">
-              <a:buFont typeface="Arial" panose="020B0604020202020204" pitchFamily="34" charset="0"/>
-              <a:buChar char="•"/>
-            </a:pPr>
-            <a:r>
-              <a:rPr lang="en-GB" dirty="0" smtClean="0"/>
-              <a:t>Error of order 2^NlogN</a:t>
-            </a:r>
-          </a:p>
-          <a:p>
-            <a:pPr marL="285750" indent="-285750">
-              <a:buFont typeface="Arial" panose="020B0604020202020204" pitchFamily="34" charset="0"/>
-              <a:buChar char="•"/>
-            </a:pPr>
-            <a:r>
-              <a:rPr lang="en-GB" dirty="0" smtClean="0"/>
-              <a:t>2</a:t>
-            </a:r>
-            <a:r>
-              <a:rPr lang="en-GB" baseline="30000" dirty="0" smtClean="0"/>
-              <a:t>nd</a:t>
-            </a:r>
-            <a:r>
-              <a:rPr lang="en-GB" dirty="0" smtClean="0"/>
-              <a:t> order in time </a:t>
-            </a:r>
-          </a:p>
-          <a:p>
-            <a:pPr marL="285750" indent="-285750">
-              <a:buFont typeface="Arial" panose="020B0604020202020204" pitchFamily="34" charset="0"/>
-              <a:buChar char="•"/>
-            </a:pPr>
-            <a:r>
-              <a:rPr lang="en-GB" dirty="0" smtClean="0"/>
-              <a:t>Obeys Nyquist sampling theorem</a:t>
-            </a:r>
-          </a:p>
-          <a:p>
-            <a:pPr marL="742950" lvl="1" indent="-285750">
-              <a:buFont typeface="Arial" panose="020B0604020202020204" pitchFamily="34" charset="0"/>
-              <a:buChar char="•"/>
-            </a:pPr>
-            <a:r>
-              <a:rPr lang="en-GB" dirty="0" smtClean="0"/>
-              <a:t>2 points per wavelength minimum</a:t>
-            </a:r>
-          </a:p>
-          <a:p>
-            <a:pPr marL="285750" indent="-285750">
-              <a:buFont typeface="Arial" panose="020B0604020202020204" pitchFamily="34" charset="0"/>
-              <a:buChar char="•"/>
-            </a:pPr>
-            <a:r>
-              <a:rPr lang="en-GB" dirty="0" smtClean="0"/>
-              <a:t>Marching forward in half steps of time</a:t>
-            </a:r>
-          </a:p>
-        </p:txBody>
-      </p:sp>
-    </p:spTree>
-    <p:extLst>
-      <p:ext uri="{BB962C8B-B14F-4D97-AF65-F5344CB8AC3E}">
-        <p14:creationId xmlns:p14="http://schemas.microsoft.com/office/powerpoint/2010/main" val="628869008"/>
-      </p:ext>
-    </p:extLst>
-  </p:cSld>
-  <p:clrMapOvr>
-    <a:masterClrMapping/>
-  </p:clrMapOvr>
   <p:timing>
     <p:tnLst>
       <p:par>
@@ -16881,7 +16873,12 @@
             <p:ph type="title"/>
           </p:nvPr>
         </p:nvSpPr>
-        <p:spPr/>
+        <p:spPr>
+          <a:xfrm>
+            <a:off x="1051858" y="542366"/>
+            <a:ext cx="6061636" cy="515470"/>
+          </a:xfrm>
+        </p:spPr>
         <p:txBody>
           <a:bodyPr/>
           <a:lstStyle/>
@@ -16911,16 +16908,97 @@
           <a:p>
             <a:r>
               <a:rPr lang="en-GB" dirty="0" smtClean="0"/>
-              <a:t>How it works</a:t>
+              <a:t>Description</a:t>
             </a:r>
             <a:endParaRPr lang="en-GB" dirty="0"/>
+          </a:p>
+        </p:txBody>
+      </p:sp>
+      <p:sp>
+        <p:nvSpPr>
+          <p:cNvPr id="4" name="Text Placeholder 3"/>
+          <p:cNvSpPr>
+            <a:spLocks noGrp="1"/>
+          </p:cNvSpPr>
+          <p:nvPr>
+            <p:ph type="body" sz="half" idx="2"/>
+          </p:nvPr>
+        </p:nvSpPr>
+        <p:spPr>
+          <a:xfrm>
+            <a:off x="1154953" y="1447800"/>
+            <a:ext cx="3401063" cy="4577079"/>
+          </a:xfrm>
+        </p:spPr>
+        <p:txBody>
+          <a:bodyPr/>
+          <a:lstStyle/>
+          <a:p>
+            <a:pPr marL="285750" indent="-285750">
+              <a:buFont typeface="Arial" panose="020B0604020202020204" pitchFamily="34" charset="0"/>
+              <a:buChar char="•"/>
+            </a:pPr>
+            <a:r>
+              <a:rPr lang="en-GB" dirty="0" smtClean="0"/>
+              <a:t>Similar solving to FDTD</a:t>
+            </a:r>
+          </a:p>
+          <a:p>
+            <a:pPr marL="285750" indent="-285750">
+              <a:buFont typeface="Arial" panose="020B0604020202020204" pitchFamily="34" charset="0"/>
+              <a:buChar char="•"/>
+            </a:pPr>
+            <a:r>
+              <a:rPr lang="en-GB" dirty="0" smtClean="0"/>
+              <a:t>Solves local points where energy is above a threshold</a:t>
+            </a:r>
+          </a:p>
+          <a:p>
+            <a:pPr marL="285750" indent="-285750">
+              <a:buFont typeface="Arial" panose="020B0604020202020204" pitchFamily="34" charset="0"/>
+              <a:buChar char="•"/>
+            </a:pPr>
+            <a:r>
+              <a:rPr lang="en-GB" dirty="0" smtClean="0"/>
+              <a:t>Indexing function to determine points to be solved</a:t>
+            </a:r>
+          </a:p>
+          <a:p>
+            <a:pPr marL="285750" indent="-285750">
+              <a:buFont typeface="Arial" panose="020B0604020202020204" pitchFamily="34" charset="0"/>
+              <a:buChar char="•"/>
+            </a:pPr>
+            <a:r>
+              <a:rPr lang="en-GB" dirty="0" smtClean="0"/>
+              <a:t>Differentiation across number of points in dimension</a:t>
+            </a:r>
+          </a:p>
+          <a:p>
+            <a:pPr marL="285750" indent="-285750">
+              <a:buFont typeface="Arial" panose="020B0604020202020204" pitchFamily="34" charset="0"/>
+              <a:buChar char="•"/>
+            </a:pPr>
+            <a:r>
+              <a:rPr lang="en-GB" dirty="0" smtClean="0"/>
+              <a:t>May improve solving speed when the number of operations performed is less than the number of active grid points</a:t>
+            </a:r>
+          </a:p>
+          <a:p>
+            <a:pPr marL="285750" indent="-285750">
+              <a:buFont typeface="Arial" panose="020B0604020202020204" pitchFamily="34" charset="0"/>
+              <a:buChar char="•"/>
+            </a:pPr>
+            <a:r>
+              <a:rPr lang="en-GB" dirty="0" smtClean="0"/>
+              <a:t>May only improve performance when the dynamic range of the simulation is quite high</a:t>
+            </a:r>
           </a:p>
         </p:txBody>
       </p:sp>
     </p:spTree>
     <p:extLst>
       <p:ext uri="{BB962C8B-B14F-4D97-AF65-F5344CB8AC3E}">
-        <p14:creationId xmlns:p14="http://schemas.microsoft.com/office/powerpoint/2010/main" val="349448277"/>
+        <p14:creationId xmlns:p14="http://schemas.microsoft.com/office/powerpoint/2010/main" val="628869008"/>
       </p:ext>
     </p:extLst>
   </p:cSld>
@@ -16994,7 +17072,43 @@
           <a:p>
             <a:r>
               <a:rPr lang="en-GB" dirty="0" smtClean="0"/>
-              <a:t>Example code</a:t>
+              <a:t>0 pad ends of the domain</a:t>
+            </a:r>
+          </a:p>
+          <a:p>
+            <a:r>
+              <a:rPr lang="en-GB" dirty="0" smtClean="0"/>
+              <a:t>Decimate domain</a:t>
+            </a:r>
+          </a:p>
+          <a:p>
+            <a:r>
+              <a:rPr lang="en-GB" dirty="0" smtClean="0"/>
+              <a:t>Normalise values by threshold</a:t>
+            </a:r>
+          </a:p>
+          <a:p>
+            <a:r>
+              <a:rPr lang="en-GB" dirty="0" smtClean="0"/>
+              <a:t>Floor matrix</a:t>
+            </a:r>
+          </a:p>
+          <a:p>
+            <a:r>
+              <a:rPr lang="en-GB" dirty="0" smtClean="0"/>
+              <a:t>Reduce values above 1 to 1</a:t>
+            </a:r>
+          </a:p>
+          <a:p>
+            <a:r>
+              <a:rPr lang="en-GB" dirty="0" smtClean="0"/>
+              <a:t>Interpolate grid back to correct size</a:t>
+            </a:r>
+          </a:p>
+          <a:p>
+            <a:r>
+              <a:rPr lang="en-GB" dirty="0" smtClean="0"/>
+              <a:t>Ceil matrix</a:t>
             </a:r>
             <a:endParaRPr lang="en-GB" dirty="0"/>
           </a:p>
@@ -17003,13 +17117,20 @@
     </p:spTree>
     <p:extLst>
       <p:ext uri="{BB962C8B-B14F-4D97-AF65-F5344CB8AC3E}">
-        <p14:creationId xmlns:p14="http://schemas.microsoft.com/office/powerpoint/2010/main" val="3681998686"/>
+        <p14:creationId xmlns:p14="http://schemas.microsoft.com/office/powerpoint/2010/main" val="349448277"/>
       </p:ext>
     </p:extLst>
   </p:cSld>
   <p:clrMapOvr>
     <a:masterClrMapping/>
   </p:clrMapOvr>
+  <p:timing>
+    <p:tnLst>
+      <p:par>
+        <p:cTn id="1" dur="indefinite" restart="never" nodeType="tmRoot"/>
+      </p:par>
+    </p:tnLst>
+  </p:timing>
 </p:sld>
 </file>
 
@@ -17488,6 +17609,13 @@
   <p:clrMapOvr>
     <a:masterClrMapping/>
   </p:clrMapOvr>
+  <p:timing>
+    <p:tnLst>
+      <p:par>
+        <p:cTn id="1" dur="indefinite" restart="never" nodeType="tmRoot"/>
+      </p:par>
+    </p:tnLst>
+  </p:timing>
 </p:sld>
 </file>
 
@@ -17656,6 +17784,13 @@
   <p:clrMapOvr>
     <a:masterClrMapping/>
   </p:clrMapOvr>
+  <p:timing>
+    <p:tnLst>
+      <p:par>
+        <p:cTn id="1" dur="indefinite" restart="never" nodeType="tmRoot"/>
+      </p:par>
+    </p:tnLst>
+  </p:timing>
 </p:sld>
 </file>
 
@@ -17732,6 +17867,13 @@
   <p:clrMapOvr>
     <a:masterClrMapping/>
   </p:clrMapOvr>
+  <p:timing>
+    <p:tnLst>
+      <p:par>
+        <p:cTn id="1" dur="indefinite" restart="never" nodeType="tmRoot"/>
+      </p:par>
+    </p:tnLst>
+  </p:timing>
 </p:sld>
 </file>
 
@@ -17876,6 +18018,13 @@
   <p:clrMapOvr>
     <a:masterClrMapping/>
   </p:clrMapOvr>
+  <p:timing>
+    <p:tnLst>
+      <p:par>
+        <p:cTn id="1" dur="indefinite" restart="never" nodeType="tmRoot"/>
+      </p:par>
+    </p:tnLst>
+  </p:timing>
 </p:sld>
 </file>
 
@@ -18011,6 +18160,13 @@
   <p:clrMapOvr>
     <a:masterClrMapping/>
   </p:clrMapOvr>
+  <p:timing>
+    <p:tnLst>
+      <p:par>
+        <p:cTn id="1" dur="indefinite" restart="never" nodeType="tmRoot"/>
+      </p:par>
+    </p:tnLst>
+  </p:timing>
 </p:sld>
 </file>
 
@@ -18317,6 +18473,13 @@
   <p:clrMapOvr>
     <a:masterClrMapping/>
   </p:clrMapOvr>
+  <p:timing>
+    <p:tnLst>
+      <p:par>
+        <p:cTn id="1" dur="indefinite" restart="never" nodeType="tmRoot"/>
+      </p:par>
+    </p:tnLst>
+  </p:timing>
 </p:sld>
 </file>
 
@@ -18486,6 +18649,13 @@
   <p:clrMapOvr>
     <a:masterClrMapping/>
   </p:clrMapOvr>
+  <p:timing>
+    <p:tnLst>
+      <p:par>
+        <p:cTn id="1" dur="indefinite" restart="never" nodeType="tmRoot"/>
+      </p:par>
+    </p:tnLst>
+  </p:timing>
 </p:sld>
 </file>
 
@@ -18608,6 +18778,13 @@
   <p:clrMapOvr>
     <a:masterClrMapping/>
   </p:clrMapOvr>
+  <p:timing>
+    <p:tnLst>
+      <p:par>
+        <p:cTn id="1" dur="indefinite" restart="never" nodeType="tmRoot"/>
+      </p:par>
+    </p:tnLst>
+  </p:timing>
 </p:sld>
 </file>
 
@@ -18823,6 +19000,13 @@
   <p:clrMapOvr>
     <a:masterClrMapping/>
   </p:clrMapOvr>
+  <p:timing>
+    <p:tnLst>
+      <p:par>
+        <p:cTn id="1" dur="indefinite" restart="never" nodeType="tmRoot"/>
+      </p:par>
+    </p:tnLst>
+  </p:timing>
 </p:sld>
 </file>
 
@@ -18853,19 +19037,14 @@
             <p:ph type="title"/>
           </p:nvPr>
         </p:nvSpPr>
-        <p:spPr>
-          <a:xfrm>
-            <a:off x="1051858" y="542366"/>
-            <a:ext cx="4846918" cy="515470"/>
-          </a:xfrm>
-        </p:spPr>
+        <p:spPr/>
         <p:txBody>
           <a:bodyPr/>
           <a:lstStyle/>
           <a:p>
             <a:r>
               <a:rPr lang="en-GB" dirty="0" smtClean="0"/>
-              <a:t>Finite Difference Time Domain</a:t>
+              <a:t>Benchmarking</a:t>
             </a:r>
             <a:endParaRPr lang="en-GB" dirty="0"/>
           </a:p>
@@ -18881,187 +19060,113 @@
             <p:ph idx="1"/>
           </p:nvPr>
         </p:nvSpPr>
-        <p:spPr/>
-        <p:txBody>
-          <a:bodyPr/>
-          <a:lstStyle/>
-          <a:p>
-            <a:r>
-              <a:rPr lang="en-GB" dirty="0" smtClean="0"/>
-              <a:t>Description</a:t>
-            </a:r>
-            <a:endParaRPr lang="en-GB" dirty="0"/>
-          </a:p>
-        </p:txBody>
-      </p:sp>
-      <p:sp>
-        <p:nvSpPr>
-          <p:cNvPr id="4" name="Text Placeholder 3"/>
-          <p:cNvSpPr>
-            <a:spLocks noGrp="1"/>
-          </p:cNvSpPr>
-          <p:nvPr>
-            <p:ph type="body" sz="half" idx="2"/>
-          </p:nvPr>
-        </p:nvSpPr>
         <p:spPr>
           <a:xfrm>
-            <a:off x="1154953" y="1447800"/>
-            <a:ext cx="3401063" cy="4577079"/>
+            <a:off x="439924" y="1290918"/>
+            <a:ext cx="8946541" cy="4979894"/>
           </a:xfrm>
         </p:spPr>
         <p:txBody>
           <a:bodyPr>
-            <a:normAutofit lnSpcReduction="10000"/>
+            <a:normAutofit/>
           </a:bodyPr>
           <a:lstStyle/>
           <a:p>
-            <a:pPr marL="285750" indent="-285750">
-              <a:buFont typeface="Arial" panose="020B0604020202020204" pitchFamily="34" charset="0"/>
-              <a:buChar char="•"/>
-            </a:pPr>
             <a:r>
               <a:rPr lang="en-GB" dirty="0" smtClean="0"/>
-              <a:t>Staggered grid constitutive relation</a:t>
-            </a:r>
-          </a:p>
-          <a:p>
-            <a:pPr marL="742950" lvl="1" indent="-285750">
-              <a:buFont typeface="Arial" panose="020B0604020202020204" pitchFamily="34" charset="0"/>
-              <a:buChar char="•"/>
-            </a:pPr>
+              <a:t>Small Domain</a:t>
+            </a:r>
+          </a:p>
+          <a:p>
+            <a:pPr lvl="1"/>
             <a:r>
               <a:rPr lang="en-GB" dirty="0" smtClean="0"/>
-              <a:t>Pressure</a:t>
-            </a:r>
-          </a:p>
-          <a:p>
-            <a:pPr marL="742950" lvl="1" indent="-285750">
-              <a:buFont typeface="Arial" panose="020B0604020202020204" pitchFamily="34" charset="0"/>
-              <a:buChar char="•"/>
-            </a:pPr>
+              <a:t>34m domain excluding boundaries</a:t>
+            </a:r>
+          </a:p>
+          <a:p>
+            <a:pPr lvl="1"/>
             <a:r>
               <a:rPr lang="en-GB" dirty="0" smtClean="0"/>
-              <a:t>Velocity</a:t>
-            </a:r>
-          </a:p>
-          <a:p>
-            <a:pPr marL="285750" indent="-285750">
-              <a:buFont typeface="Arial" panose="020B0604020202020204" pitchFamily="34" charset="0"/>
-              <a:buChar char="•"/>
-            </a:pPr>
+              <a:t>‘Time of flight’ 1mS</a:t>
+            </a:r>
+          </a:p>
+          <a:p>
+            <a:pPr lvl="1"/>
             <a:r>
               <a:rPr lang="en-GB" dirty="0" smtClean="0"/>
-              <a:t>Linearized </a:t>
-            </a:r>
-            <a:r>
-              <a:rPr lang="en-GB" dirty="0" err="1" smtClean="0"/>
-              <a:t>Navier</a:t>
+              <a:t>Boundary absorption</a:t>
+            </a:r>
+          </a:p>
+          <a:p>
+            <a:pPr lvl="2"/>
+            <a:r>
+              <a:rPr lang="en-GB" dirty="0"/>
+              <a:t>1</a:t>
             </a:r>
             <a:r>
               <a:rPr lang="en-GB" dirty="0" smtClean="0"/>
-              <a:t>-Stokes Approximation</a:t>
-            </a:r>
-          </a:p>
-          <a:p>
-            <a:pPr marL="285750" indent="-285750">
-              <a:buFont typeface="Arial" panose="020B0604020202020204" pitchFamily="34" charset="0"/>
-              <a:buChar char="•"/>
-            </a:pPr>
+              <a:t> = pass-through [0dB across grid after 1ms + source prop time ]</a:t>
+            </a:r>
+          </a:p>
+          <a:p>
+            <a:pPr lvl="2"/>
             <a:r>
               <a:rPr lang="en-GB" dirty="0" smtClean="0"/>
-              <a:t>Forward Euler method</a:t>
-            </a:r>
-          </a:p>
-          <a:p>
-            <a:pPr marL="285750" indent="-285750">
-              <a:buFont typeface="Arial" panose="020B0604020202020204" pitchFamily="34" charset="0"/>
-              <a:buChar char="•"/>
-            </a:pPr>
+              <a:t>0 = perfect reflection [0dB of aggregate loss after source prop for 1s sim time]</a:t>
+            </a:r>
+          </a:p>
+          <a:p>
+            <a:pPr lvl="1"/>
             <a:r>
               <a:rPr lang="en-GB" dirty="0" smtClean="0"/>
-              <a:t>2</a:t>
-            </a:r>
-            <a:r>
-              <a:rPr lang="en-GB" baseline="30000" dirty="0" smtClean="0"/>
-              <a:t>nd</a:t>
-            </a:r>
+              <a:t>Sim must be stable up to 48kHz</a:t>
+            </a:r>
+          </a:p>
+          <a:p>
             <a:r>
               <a:rPr lang="en-GB" dirty="0" smtClean="0"/>
-              <a:t> order in space</a:t>
-            </a:r>
-          </a:p>
-          <a:p>
-            <a:pPr marL="285750" indent="-285750">
-              <a:buFont typeface="Arial" panose="020B0604020202020204" pitchFamily="34" charset="0"/>
-              <a:buChar char="•"/>
-            </a:pPr>
+              <a:t>Large Domain</a:t>
+            </a:r>
+          </a:p>
+          <a:p>
+            <a:pPr lvl="1"/>
             <a:r>
               <a:rPr lang="en-GB" dirty="0" smtClean="0"/>
-              <a:t>2</a:t>
-            </a:r>
-            <a:r>
-              <a:rPr lang="en-GB" baseline="30000" dirty="0" smtClean="0"/>
-              <a:t>nd</a:t>
-            </a:r>
+              <a:t>10m * 10m domain</a:t>
+            </a:r>
+          </a:p>
+          <a:p>
+            <a:pPr lvl="1"/>
             <a:r>
               <a:rPr lang="en-GB" dirty="0" smtClean="0"/>
-              <a:t> order in time </a:t>
-            </a:r>
-          </a:p>
-          <a:p>
-            <a:pPr marL="285750" indent="-285750">
-              <a:buFont typeface="Arial" panose="020B0604020202020204" pitchFamily="34" charset="0"/>
-              <a:buChar char="•"/>
-            </a:pPr>
+              <a:t>‘Time of flight’ to multiple receivers</a:t>
+            </a:r>
+          </a:p>
+          <a:p>
+            <a:pPr lvl="1"/>
             <a:r>
               <a:rPr lang="en-GB" dirty="0" smtClean="0"/>
-              <a:t>Requires 6~10 points per wavelength</a:t>
-            </a:r>
-          </a:p>
-          <a:p>
-            <a:pPr marL="285750" indent="-285750">
-              <a:buFont typeface="Arial" panose="020B0604020202020204" pitchFamily="34" charset="0"/>
-              <a:buChar char="•"/>
-            </a:pPr>
+              <a:t>Receivers in line, peak level should reduce following inverse square law</a:t>
+            </a:r>
+          </a:p>
+          <a:p>
+            <a:pPr lvl="1"/>
+            <a:r>
+              <a:rPr lang="en-GB" dirty="0"/>
+              <a:t>Sim must be stable up to </a:t>
+            </a:r>
             <a:r>
               <a:rPr lang="en-GB" dirty="0" smtClean="0"/>
-              <a:t>Explicit</a:t>
-            </a:r>
-          </a:p>
-          <a:p>
-            <a:pPr marL="285750" indent="-285750">
-              <a:buFont typeface="Arial" panose="020B0604020202020204" pitchFamily="34" charset="0"/>
-              <a:buChar char="•"/>
-            </a:pPr>
-            <a:r>
-              <a:rPr lang="en-GB" dirty="0" smtClean="0"/>
-              <a:t>Local differentiation of finite points in space</a:t>
-            </a:r>
-          </a:p>
-          <a:p>
-            <a:pPr marL="285750" indent="-285750">
-              <a:buFont typeface="Arial" panose="020B0604020202020204" pitchFamily="34" charset="0"/>
-              <a:buChar char="•"/>
-            </a:pPr>
-            <a:r>
-              <a:rPr lang="en-GB" dirty="0" smtClean="0"/>
-              <a:t>Marching forward in half steps of time</a:t>
-            </a:r>
-          </a:p>
-          <a:p>
-            <a:pPr marL="285750" indent="-285750">
-              <a:buFont typeface="Arial" panose="020B0604020202020204" pitchFamily="34" charset="0"/>
-              <a:buChar char="•"/>
-            </a:pPr>
-            <a:endParaRPr lang="en-GB" dirty="0"/>
+              <a:t>48kHz</a:t>
+            </a:r>
           </a:p>
         </p:txBody>
       </p:sp>
     </p:spTree>
     <p:extLst>
       <p:ext uri="{BB962C8B-B14F-4D97-AF65-F5344CB8AC3E}">
-        <p14:creationId xmlns:p14="http://schemas.microsoft.com/office/powerpoint/2010/main" val="1432694212"/>
+        <p14:creationId xmlns:p14="http://schemas.microsoft.com/office/powerpoint/2010/main" val="1652200784"/>
       </p:ext>
     </p:extLst>
   </p:cSld>
@@ -19107,8 +19212,8 @@
         </p:nvSpPr>
         <p:spPr>
           <a:xfrm>
-            <a:off x="646111" y="452718"/>
-            <a:ext cx="9404723" cy="766482"/>
+            <a:off x="1051858" y="542366"/>
+            <a:ext cx="4846918" cy="515470"/>
           </a:xfrm>
         </p:spPr>
         <p:txBody>
@@ -19135,100 +19240,177 @@
         </p:nvSpPr>
         <p:spPr/>
         <p:txBody>
+          <a:bodyPr/>
+          <a:lstStyle/>
+          <a:p>
+            <a:r>
+              <a:rPr lang="en-GB" dirty="0" smtClean="0"/>
+              <a:t>Description</a:t>
+            </a:r>
+            <a:endParaRPr lang="en-GB" dirty="0"/>
+          </a:p>
+        </p:txBody>
+      </p:sp>
+      <p:sp>
+        <p:nvSpPr>
+          <p:cNvPr id="4" name="Text Placeholder 3"/>
+          <p:cNvSpPr>
+            <a:spLocks noGrp="1"/>
+          </p:cNvSpPr>
+          <p:nvPr>
+            <p:ph type="body" sz="half" idx="2"/>
+          </p:nvPr>
+        </p:nvSpPr>
+        <p:spPr>
+          <a:xfrm>
+            <a:off x="1154953" y="1447800"/>
+            <a:ext cx="3401063" cy="4577079"/>
+          </a:xfrm>
+        </p:spPr>
+        <p:txBody>
           <a:bodyPr>
-            <a:normAutofit fontScale="85000" lnSpcReduction="20000"/>
+            <a:normAutofit lnSpcReduction="10000"/>
           </a:bodyPr>
           <a:lstStyle/>
           <a:p>
+            <a:pPr marL="285750" indent="-285750">
+              <a:buFont typeface="Arial" panose="020B0604020202020204" pitchFamily="34" charset="0"/>
+              <a:buChar char="•"/>
+            </a:pPr>
             <a:r>
               <a:rPr lang="en-GB" dirty="0" smtClean="0"/>
-              <a:t>1D</a:t>
-            </a:r>
-          </a:p>
-          <a:p>
-            <a:pPr lvl="1"/>
+              <a:t>Staggered grid constitutive relation</a:t>
+            </a:r>
+          </a:p>
+          <a:p>
+            <a:pPr marL="742950" lvl="1" indent="-285750">
+              <a:buFont typeface="Arial" panose="020B0604020202020204" pitchFamily="34" charset="0"/>
+              <a:buChar char="•"/>
+            </a:pPr>
             <a:r>
               <a:rPr lang="en-GB" dirty="0" smtClean="0"/>
-              <a:t>Kernel - Complete</a:t>
-            </a:r>
-          </a:p>
-          <a:p>
-            <a:pPr lvl="1"/>
+              <a:t>Pressure</a:t>
+            </a:r>
+          </a:p>
+          <a:p>
+            <a:pPr marL="742950" lvl="1" indent="-285750">
+              <a:buFont typeface="Arial" panose="020B0604020202020204" pitchFamily="34" charset="0"/>
+              <a:buChar char="•"/>
+            </a:pPr>
             <a:r>
               <a:rPr lang="en-GB" dirty="0" smtClean="0"/>
-              <a:t>Absorbing Boundaries – Complete</a:t>
-            </a:r>
-          </a:p>
-          <a:p>
-            <a:pPr lvl="1"/>
+              <a:t>Velocity</a:t>
+            </a:r>
+          </a:p>
+          <a:p>
+            <a:pPr marL="285750" indent="-285750">
+              <a:buFont typeface="Arial" panose="020B0604020202020204" pitchFamily="34" charset="0"/>
+              <a:buChar char="•"/>
+            </a:pPr>
             <a:r>
               <a:rPr lang="en-GB" dirty="0" smtClean="0"/>
-              <a:t>Sub-validation - Complete</a:t>
-            </a:r>
-          </a:p>
-          <a:p>
+              <a:t>Linearized </a:t>
+            </a:r>
+            <a:r>
+              <a:rPr lang="en-GB" dirty="0" err="1" smtClean="0"/>
+              <a:t>Navier</a:t>
+            </a:r>
             <a:r>
               <a:rPr lang="en-GB" dirty="0" smtClean="0"/>
-              <a:t>2D</a:t>
-            </a:r>
-          </a:p>
-          <a:p>
-            <a:pPr lvl="1"/>
-            <a:r>
-              <a:rPr lang="en-GB" dirty="0"/>
-              <a:t>Kernel - Complete</a:t>
-            </a:r>
-          </a:p>
-          <a:p>
-            <a:pPr lvl="1"/>
-            <a:r>
-              <a:rPr lang="en-GB" dirty="0"/>
-              <a:t>Absorbing Boundaries – Complete</a:t>
-            </a:r>
-          </a:p>
-          <a:p>
-            <a:pPr lvl="1"/>
-            <a:r>
-              <a:rPr lang="en-GB" dirty="0"/>
-              <a:t>Sub-validation </a:t>
-            </a:r>
+              <a:t>-Stokes Approximation</a:t>
+            </a:r>
+          </a:p>
+          <a:p>
+            <a:pPr marL="285750" indent="-285750">
+              <a:buFont typeface="Arial" panose="020B0604020202020204" pitchFamily="34" charset="0"/>
+              <a:buChar char="•"/>
+            </a:pPr>
             <a:r>
               <a:rPr lang="en-GB" dirty="0" smtClean="0"/>
-              <a:t>– Incomplete</a:t>
-            </a:r>
-          </a:p>
-          <a:p>
+              <a:t>Forward Euler method</a:t>
+            </a:r>
+          </a:p>
+          <a:p>
+            <a:pPr marL="285750" indent="-285750">
+              <a:buFont typeface="Arial" panose="020B0604020202020204" pitchFamily="34" charset="0"/>
+              <a:buChar char="•"/>
+            </a:pPr>
             <a:r>
               <a:rPr lang="en-GB" dirty="0" smtClean="0"/>
-              <a:t>3D</a:t>
-            </a:r>
-          </a:p>
-          <a:p>
-            <a:pPr lvl="1"/>
-            <a:r>
-              <a:rPr lang="en-GB" dirty="0"/>
-              <a:t>Kernel - Complete</a:t>
-            </a:r>
-          </a:p>
-          <a:p>
-            <a:pPr lvl="1"/>
-            <a:r>
-              <a:rPr lang="en-GB" dirty="0"/>
-              <a:t>Absorbing Boundaries – Complete</a:t>
-            </a:r>
-          </a:p>
-          <a:p>
-            <a:pPr lvl="1"/>
+              <a:t>2</a:t>
+            </a:r>
+            <a:r>
+              <a:rPr lang="en-GB" baseline="30000" dirty="0" smtClean="0"/>
+              <a:t>nd</a:t>
+            </a:r>
             <a:r>
               <a:rPr lang="en-GB" dirty="0" smtClean="0"/>
-              <a:t>Sub-validation – Incomplete</a:t>
-            </a:r>
-          </a:p>
-          <a:p>
+              <a:t> order in space</a:t>
+            </a:r>
+          </a:p>
+          <a:p>
+            <a:pPr marL="285750" indent="-285750">
+              <a:buFont typeface="Arial" panose="020B0604020202020204" pitchFamily="34" charset="0"/>
+              <a:buChar char="•"/>
+            </a:pPr>
             <a:r>
               <a:rPr lang="en-GB" dirty="0" smtClean="0"/>
-              <a:t>Validation - Incomplete</a:t>
-            </a:r>
+              <a:t>2</a:t>
+            </a:r>
+            <a:r>
+              <a:rPr lang="en-GB" baseline="30000" dirty="0" smtClean="0"/>
+              <a:t>nd</a:t>
+            </a:r>
+            <a:r>
+              <a:rPr lang="en-GB" dirty="0" smtClean="0"/>
+              <a:t> order in time </a:t>
+            </a:r>
+          </a:p>
+          <a:p>
+            <a:pPr marL="285750" indent="-285750">
+              <a:buFont typeface="Arial" panose="020B0604020202020204" pitchFamily="34" charset="0"/>
+              <a:buChar char="•"/>
+            </a:pPr>
+            <a:r>
+              <a:rPr lang="en-GB" dirty="0" smtClean="0"/>
+              <a:t>Requires 6~10 points per wavelength</a:t>
+            </a:r>
+          </a:p>
+          <a:p>
+            <a:pPr marL="285750" indent="-285750">
+              <a:buFont typeface="Arial" panose="020B0604020202020204" pitchFamily="34" charset="0"/>
+              <a:buChar char="•"/>
+            </a:pPr>
+            <a:r>
+              <a:rPr lang="en-GB" dirty="0" smtClean="0"/>
+              <a:t>Explicit</a:t>
+            </a:r>
+          </a:p>
+          <a:p>
+            <a:pPr marL="285750" indent="-285750">
+              <a:buFont typeface="Arial" panose="020B0604020202020204" pitchFamily="34" charset="0"/>
+              <a:buChar char="•"/>
+            </a:pPr>
+            <a:r>
+              <a:rPr lang="en-GB" dirty="0" smtClean="0"/>
+              <a:t>Local differentiation of finite points in space</a:t>
+            </a:r>
+          </a:p>
+          <a:p>
+            <a:pPr marL="285750" indent="-285750">
+              <a:buFont typeface="Arial" panose="020B0604020202020204" pitchFamily="34" charset="0"/>
+              <a:buChar char="•"/>
+            </a:pPr>
+            <a:r>
+              <a:rPr lang="en-GB" dirty="0" smtClean="0"/>
+              <a:t>Marching forward in half steps of time</a:t>
+            </a:r>
+          </a:p>
+          <a:p>
+            <a:pPr marL="285750" indent="-285750">
+              <a:buFont typeface="Arial" panose="020B0604020202020204" pitchFamily="34" charset="0"/>
+              <a:buChar char="•"/>
+            </a:pPr>
             <a:endParaRPr lang="en-GB" dirty="0"/>
           </a:p>
         </p:txBody>
@@ -19236,7 +19418,7 @@
     </p:spTree>
     <p:extLst>
       <p:ext uri="{BB962C8B-B14F-4D97-AF65-F5344CB8AC3E}">
-        <p14:creationId xmlns:p14="http://schemas.microsoft.com/office/powerpoint/2010/main" val="1915713582"/>
+        <p14:creationId xmlns:p14="http://schemas.microsoft.com/office/powerpoint/2010/main" val="1432694212"/>
       </p:ext>
     </p:extLst>
   </p:cSld>
